--- a/Lecture/Modeling 8/Modeling_8_Lecture.pptx
+++ b/Lecture/Modeling 8/Modeling_8_Lecture.pptx
@@ -313,7 +313,7 @@
               <a:pPr>
                 <a:defRPr/>
               </a:pPr>
-              <a:t>3/31/2019</a:t>
+              <a:t>11/4/2020</a:t>
             </a:fld>
             <a:endParaRPr lang="en-US" dirty="0"/>
           </a:p>
@@ -525,7 +525,7 @@
               <a:pPr>
                 <a:defRPr/>
               </a:pPr>
-              <a:t>3/31/2019</a:t>
+              <a:t>11/4/2020</a:t>
             </a:fld>
             <a:endParaRPr lang="en-US" dirty="0"/>
           </a:p>
@@ -1044,7 +1044,7 @@
               <a:pPr>
                 <a:defRPr/>
               </a:pPr>
-              <a:t>3/31/2019</a:t>
+              <a:t>11/4/2020</a:t>
             </a:fld>
             <a:endParaRPr lang="en-US" dirty="0"/>
           </a:p>
@@ -1234,7 +1234,7 @@
               <a:pPr>
                 <a:defRPr/>
               </a:pPr>
-              <a:t>3/31/2019</a:t>
+              <a:t>11/4/2020</a:t>
             </a:fld>
             <a:endParaRPr lang="en-US" dirty="0"/>
           </a:p>
@@ -1434,7 +1434,7 @@
               <a:pPr>
                 <a:defRPr/>
               </a:pPr>
-              <a:t>3/31/2019</a:t>
+              <a:t>11/4/2020</a:t>
             </a:fld>
             <a:endParaRPr lang="en-US" dirty="0"/>
           </a:p>
@@ -1702,7 +1702,7 @@
               <a:pPr>
                 <a:defRPr/>
               </a:pPr>
-              <a:t>3/31/2019</a:t>
+              <a:t>11/4/2020</a:t>
             </a:fld>
             <a:endParaRPr lang="en-US" dirty="0">
               <a:solidFill>
@@ -1916,7 +1916,7 @@
               <a:pPr>
                 <a:defRPr/>
               </a:pPr>
-              <a:t>3/31/2019</a:t>
+              <a:t>11/4/2020</a:t>
             </a:fld>
             <a:endParaRPr lang="en-US" dirty="0">
               <a:solidFill>
@@ -2207,7 +2207,7 @@
               <a:pPr>
                 <a:defRPr/>
               </a:pPr>
-              <a:t>3/31/2019</a:t>
+              <a:t>11/4/2020</a:t>
             </a:fld>
             <a:endParaRPr lang="en-US" dirty="0">
               <a:solidFill>
@@ -2538,7 +2538,7 @@
               <a:pPr>
                 <a:defRPr/>
               </a:pPr>
-              <a:t>3/31/2019</a:t>
+              <a:t>11/4/2020</a:t>
             </a:fld>
             <a:endParaRPr lang="en-US" dirty="0">
               <a:solidFill>
@@ -3003,7 +3003,7 @@
               <a:pPr>
                 <a:defRPr/>
               </a:pPr>
-              <a:t>3/31/2019</a:t>
+              <a:t>11/4/2020</a:t>
             </a:fld>
             <a:endParaRPr lang="en-US" dirty="0">
               <a:solidFill>
@@ -3166,7 +3166,7 @@
               <a:pPr>
                 <a:defRPr/>
               </a:pPr>
-              <a:t>3/31/2019</a:t>
+              <a:t>11/4/2020</a:t>
             </a:fld>
             <a:endParaRPr lang="en-US" dirty="0">
               <a:solidFill>
@@ -3307,7 +3307,7 @@
               <a:pPr>
                 <a:defRPr/>
               </a:pPr>
-              <a:t>3/31/2019</a:t>
+              <a:t>11/4/2020</a:t>
             </a:fld>
             <a:endParaRPr lang="en-US" dirty="0">
               <a:solidFill>
@@ -3628,7 +3628,7 @@
               <a:pPr>
                 <a:defRPr/>
               </a:pPr>
-              <a:t>3/31/2019</a:t>
+              <a:t>11/4/2020</a:t>
             </a:fld>
             <a:endParaRPr lang="en-US" dirty="0">
               <a:solidFill>
@@ -3836,7 +3836,7 @@
               <a:pPr>
                 <a:defRPr/>
               </a:pPr>
-              <a:t>3/31/2019</a:t>
+              <a:t>11/4/2020</a:t>
             </a:fld>
             <a:endParaRPr lang="en-US" dirty="0"/>
           </a:p>
@@ -4119,7 +4119,7 @@
               <a:pPr>
                 <a:defRPr/>
               </a:pPr>
-              <a:t>3/31/2019</a:t>
+              <a:t>11/4/2020</a:t>
             </a:fld>
             <a:endParaRPr lang="en-US" dirty="0">
               <a:solidFill>
@@ -4333,7 +4333,7 @@
               <a:pPr>
                 <a:defRPr/>
               </a:pPr>
-              <a:t>3/31/2019</a:t>
+              <a:t>11/4/2020</a:t>
             </a:fld>
             <a:endParaRPr lang="en-US" dirty="0">
               <a:solidFill>
@@ -4557,7 +4557,7 @@
               <a:pPr>
                 <a:defRPr/>
               </a:pPr>
-              <a:t>3/31/2019</a:t>
+              <a:t>11/4/2020</a:t>
             </a:fld>
             <a:endParaRPr lang="en-US" dirty="0">
               <a:solidFill>
@@ -4767,7 +4767,7 @@
               <a:pPr>
                 <a:defRPr/>
               </a:pPr>
-              <a:t>3/31/2019</a:t>
+              <a:t>11/4/2020</a:t>
             </a:fld>
             <a:endParaRPr lang="en-US" dirty="0">
               <a:solidFill>
@@ -5044,7 +5044,7 @@
               <a:pPr>
                 <a:defRPr/>
               </a:pPr>
-              <a:t>3/31/2019</a:t>
+              <a:t>11/4/2020</a:t>
             </a:fld>
             <a:endParaRPr lang="en-US" dirty="0"/>
           </a:p>
@@ -5351,7 +5351,7 @@
               <a:pPr>
                 <a:defRPr/>
               </a:pPr>
-              <a:t>3/31/2019</a:t>
+              <a:t>11/4/2020</a:t>
             </a:fld>
             <a:endParaRPr lang="en-US" dirty="0"/>
           </a:p>
@@ -5792,7 +5792,7 @@
               <a:pPr>
                 <a:defRPr/>
               </a:pPr>
-              <a:t>3/31/2019</a:t>
+              <a:t>11/4/2020</a:t>
             </a:fld>
             <a:endParaRPr lang="en-US" dirty="0"/>
           </a:p>
@@ -5931,7 +5931,7 @@
               <a:pPr>
                 <a:defRPr/>
               </a:pPr>
-              <a:t>3/31/2019</a:t>
+              <a:t>11/4/2020</a:t>
             </a:fld>
             <a:endParaRPr lang="en-US" dirty="0"/>
           </a:p>
@@ -6048,7 +6048,7 @@
               <a:pPr>
                 <a:defRPr/>
               </a:pPr>
-              <a:t>3/31/2019</a:t>
+              <a:t>11/4/2020</a:t>
             </a:fld>
             <a:endParaRPr lang="en-US" dirty="0"/>
           </a:p>
@@ -6345,7 +6345,7 @@
               <a:pPr>
                 <a:defRPr/>
               </a:pPr>
-              <a:t>3/31/2019</a:t>
+              <a:t>11/4/2020</a:t>
             </a:fld>
             <a:endParaRPr lang="en-US" dirty="0"/>
           </a:p>
@@ -6622,7 +6622,7 @@
               <a:pPr>
                 <a:defRPr/>
               </a:pPr>
-              <a:t>3/31/2019</a:t>
+              <a:t>11/4/2020</a:t>
             </a:fld>
             <a:endParaRPr lang="en-US" dirty="0"/>
           </a:p>
@@ -6879,7 +6879,7 @@
               <a:pPr>
                 <a:defRPr/>
               </a:pPr>
-              <a:t>3/31/2019</a:t>
+              <a:t>11/4/2020</a:t>
             </a:fld>
             <a:endParaRPr lang="en-US" dirty="0"/>
           </a:p>
@@ -7589,7 +7589,7 @@
               <a:pPr>
                 <a:defRPr/>
               </a:pPr>
-              <a:t>3/31/2019</a:t>
+              <a:t>11/4/2020</a:t>
             </a:fld>
             <a:endParaRPr lang="en-US" dirty="0">
               <a:solidFill>
@@ -13846,13 +13846,18 @@
               <a:defRPr/>
             </a:pPr>
             <a:r>
-              <a:rPr lang="en-US" dirty="0">
+              <a:rPr lang="en-US">
                 <a:solidFill>
                   <a:srgbClr val="404040"/>
                 </a:solidFill>
               </a:rPr>
-              <a:t>Tutorial</a:t>
-            </a:r>
+              <a:t>Supplement</a:t>
+            </a:r>
+            <a:endParaRPr lang="en-US" dirty="0">
+              <a:solidFill>
+                <a:srgbClr val="404040"/>
+              </a:solidFill>
+            </a:endParaRPr>
           </a:p>
           <a:p>
             <a:pPr marL="800100" lvl="1" indent="-342900">
